--- a/docproject/official_ahns/presentations/liam_semester1.pptx
+++ b/docproject/official_ahns/presentations/liam_semester1.pptx
@@ -2666,7 +2666,15 @@
           </a:r>
           <a:r>
             <a:rPr lang="en-AU" dirty="0" smtClean="0"/>
-            <a:t> Communication and Architecture</a:t>
+            <a:t> </a:t>
+          </a:r>
+          <a:r>
+            <a:rPr lang="en-AU" smtClean="0"/>
+            <a:t>Communication Design </a:t>
+          </a:r>
+          <a:r>
+            <a:rPr lang="en-AU" dirty="0" smtClean="0"/>
+            <a:t>and Architecture</a:t>
           </a:r>
           <a:endParaRPr lang="en-AU" dirty="0"/>
         </a:p>
@@ -3060,11 +3068,7 @@
         <a:p>
           <a:r>
             <a:rPr lang="en-AU" dirty="0" smtClean="0"/>
-            <a:t>Attitude Estimator and Kalman </a:t>
-          </a:r>
-          <a:r>
-            <a:rPr lang="en-AU" dirty="0" smtClean="0"/>
-            <a:t>Filtering</a:t>
+            <a:t>Attitude Estimator and Kalman Filtering</a:t>
           </a:r>
           <a:endParaRPr lang="en-AU" dirty="0"/>
         </a:p>
@@ -3639,15 +3643,15 @@
     </dgm:pt>
   </dgm:ptLst>
   <dgm:cxnLst>
+    <dgm:cxn modelId="{8977E303-E491-427C-A2CF-CF787D8A85D4}" type="presOf" srcId="{FA7F31B3-531F-41FB-A270-857840E5B0EE}" destId="{74FAC493-C973-44BC-81AA-29561F9F47B2}" srcOrd="0" destOrd="0" presId="urn:microsoft.com/office/officeart/2005/8/layout/hierarchy1"/>
+    <dgm:cxn modelId="{3C578139-0189-45AD-A742-F8EAAE2953B9}" type="presOf" srcId="{EC7CD325-5586-4A45-810D-BAC0A57D64FF}" destId="{D30541D1-DCBB-4349-BBE2-D75C8CC01A41}" srcOrd="0" destOrd="0" presId="urn:microsoft.com/office/officeart/2005/8/layout/hierarchy1"/>
+    <dgm:cxn modelId="{069A7B40-B54F-41DC-900B-BCC0E6C70DE3}" type="presOf" srcId="{C94C050D-65F0-4AF3-9629-7574CFE2B3FC}" destId="{13DE8248-3ABC-4A3F-AD03-ADC18D359163}" srcOrd="0" destOrd="0" presId="urn:microsoft.com/office/officeart/2005/8/layout/hierarchy1"/>
     <dgm:cxn modelId="{DE971853-36A9-4018-8E80-BF5DAD390FED}" type="presOf" srcId="{736F1658-CD9C-44C9-854B-BA51CFD9C102}" destId="{2A84E2AE-CE33-4058-9207-9BD2FC7BB48F}" srcOrd="0" destOrd="0" presId="urn:microsoft.com/office/officeart/2005/8/layout/hierarchy1"/>
+    <dgm:cxn modelId="{30AF9763-6C9B-4109-8CE2-5639C4C2C8D9}" type="presOf" srcId="{DAD9F20E-4404-40C1-9AF8-533AF73A0B2B}" destId="{038CC6DB-B431-4F67-BF13-85201A1BF113}" srcOrd="0" destOrd="0" presId="urn:microsoft.com/office/officeart/2005/8/layout/hierarchy1"/>
+    <dgm:cxn modelId="{545FB7C3-7F13-45CE-8C81-13B964C41A3E}" type="presOf" srcId="{9B7E3516-844E-4A12-BE61-BF20AC8305F6}" destId="{EEBF1E03-4F30-4DC0-A9FD-3BA4CE4733A1}" srcOrd="0" destOrd="0" presId="urn:microsoft.com/office/officeart/2005/8/layout/hierarchy1"/>
+    <dgm:cxn modelId="{989A21A2-6FDA-4A5A-8BE3-F9360D41699E}" srcId="{DAD9F20E-4404-40C1-9AF8-533AF73A0B2B}" destId="{C94C050D-65F0-4AF3-9629-7574CFE2B3FC}" srcOrd="0" destOrd="0" parTransId="{63B54F59-4104-4524-82F4-E2128E6DFE1A}" sibTransId="{7B513807-BC82-48ED-99E7-C0501BC35939}"/>
     <dgm:cxn modelId="{90745C10-BD01-4D30-B545-4B1D02E8FD4E}" srcId="{736F1658-CD9C-44C9-854B-BA51CFD9C102}" destId="{FA7F31B3-531F-41FB-A270-857840E5B0EE}" srcOrd="0" destOrd="0" parTransId="{9B7E3516-844E-4A12-BE61-BF20AC8305F6}" sibTransId="{35A5352A-B40B-47DF-A391-83228F7AA32C}"/>
-    <dgm:cxn modelId="{989A21A2-6FDA-4A5A-8BE3-F9360D41699E}" srcId="{DAD9F20E-4404-40C1-9AF8-533AF73A0B2B}" destId="{C94C050D-65F0-4AF3-9629-7574CFE2B3FC}" srcOrd="0" destOrd="0" parTransId="{63B54F59-4104-4524-82F4-E2128E6DFE1A}" sibTransId="{7B513807-BC82-48ED-99E7-C0501BC35939}"/>
-    <dgm:cxn modelId="{545FB7C3-7F13-45CE-8C81-13B964C41A3E}" type="presOf" srcId="{9B7E3516-844E-4A12-BE61-BF20AC8305F6}" destId="{EEBF1E03-4F30-4DC0-A9FD-3BA4CE4733A1}" srcOrd="0" destOrd="0" presId="urn:microsoft.com/office/officeart/2005/8/layout/hierarchy1"/>
-    <dgm:cxn modelId="{3C578139-0189-45AD-A742-F8EAAE2953B9}" type="presOf" srcId="{EC7CD325-5586-4A45-810D-BAC0A57D64FF}" destId="{D30541D1-DCBB-4349-BBE2-D75C8CC01A41}" srcOrd="0" destOrd="0" presId="urn:microsoft.com/office/officeart/2005/8/layout/hierarchy1"/>
-    <dgm:cxn modelId="{8977E303-E491-427C-A2CF-CF787D8A85D4}" type="presOf" srcId="{FA7F31B3-531F-41FB-A270-857840E5B0EE}" destId="{74FAC493-C973-44BC-81AA-29561F9F47B2}" srcOrd="0" destOrd="0" presId="urn:microsoft.com/office/officeart/2005/8/layout/hierarchy1"/>
     <dgm:cxn modelId="{EBFC5978-4576-4122-A4A3-ECF4430D026A}" srcId="{C94C050D-65F0-4AF3-9629-7574CFE2B3FC}" destId="{736F1658-CD9C-44C9-854B-BA51CFD9C102}" srcOrd="0" destOrd="0" parTransId="{EC7CD325-5586-4A45-810D-BAC0A57D64FF}" sibTransId="{98441BCD-15D6-4142-9CDD-4900B26EBF8C}"/>
-    <dgm:cxn modelId="{069A7B40-B54F-41DC-900B-BCC0E6C70DE3}" type="presOf" srcId="{C94C050D-65F0-4AF3-9629-7574CFE2B3FC}" destId="{13DE8248-3ABC-4A3F-AD03-ADC18D359163}" srcOrd="0" destOrd="0" presId="urn:microsoft.com/office/officeart/2005/8/layout/hierarchy1"/>
-    <dgm:cxn modelId="{30AF9763-6C9B-4109-8CE2-5639C4C2C8D9}" type="presOf" srcId="{DAD9F20E-4404-40C1-9AF8-533AF73A0B2B}" destId="{038CC6DB-B431-4F67-BF13-85201A1BF113}" srcOrd="0" destOrd="0" presId="urn:microsoft.com/office/officeart/2005/8/layout/hierarchy1"/>
     <dgm:cxn modelId="{8643D005-A470-4BC0-903D-2E959CA2931E}" type="presParOf" srcId="{038CC6DB-B431-4F67-BF13-85201A1BF113}" destId="{74C2D815-BFDC-46D2-BAF0-16801C9CBBF2}" srcOrd="0" destOrd="0" presId="urn:microsoft.com/office/officeart/2005/8/layout/hierarchy1"/>
     <dgm:cxn modelId="{AF7BDB59-B797-41F8-A332-10792EE5C701}" type="presParOf" srcId="{74C2D815-BFDC-46D2-BAF0-16801C9CBBF2}" destId="{BB83D1E3-AC83-4B0B-B1AE-3098001BBB70}" srcOrd="0" destOrd="0" presId="urn:microsoft.com/office/officeart/2005/8/layout/hierarchy1"/>
     <dgm:cxn modelId="{84CF8B95-A23A-4DF7-B7C3-6792BA151384}" type="presParOf" srcId="{BB83D1E3-AC83-4B0B-B1AE-3098001BBB70}" destId="{28653E01-75C5-4902-A41D-F57AFA5B46DF}" srcOrd="0" destOrd="0" presId="urn:microsoft.com/office/officeart/2005/8/layout/hierarchy1"/>
@@ -3691,8 +3695,8 @@
       </dsp:nvSpPr>
       <dsp:spPr>
         <a:xfrm>
-          <a:off x="4401710" y="3043021"/>
-          <a:ext cx="91440" cy="652119"/>
+          <a:off x="4247799" y="2853739"/>
+          <a:ext cx="91440" cy="611009"/>
         </a:xfrm>
         <a:custGeom>
           <a:avLst/>
@@ -3706,7 +3710,7 @@
                 <a:pt x="45720" y="0"/>
               </a:moveTo>
               <a:lnTo>
-                <a:pt x="45720" y="652119"/>
+                <a:pt x="45720" y="611009"/>
               </a:lnTo>
             </a:path>
           </a:pathLst>
@@ -3746,8 +3750,8 @@
       </dsp:nvSpPr>
       <dsp:spPr>
         <a:xfrm>
-          <a:off x="4401710" y="967076"/>
-          <a:ext cx="91440" cy="652119"/>
+          <a:off x="4247799" y="908664"/>
+          <a:ext cx="91440" cy="611009"/>
         </a:xfrm>
         <a:custGeom>
           <a:avLst/>
@@ -3761,7 +3765,7 @@
                 <a:pt x="45720" y="0"/>
               </a:moveTo>
               <a:lnTo>
-                <a:pt x="45720" y="652119"/>
+                <a:pt x="45720" y="611009"/>
               </a:lnTo>
             </a:path>
           </a:pathLst>
@@ -3801,8 +3805,8 @@
       </dsp:nvSpPr>
       <dsp:spPr>
         <a:xfrm>
-          <a:off x="2390137" y="2178"/>
-          <a:ext cx="4114585" cy="964897"/>
+          <a:off x="2365920" y="4594"/>
+          <a:ext cx="3855199" cy="904070"/>
         </a:xfrm>
         <a:prstGeom prst="roundRect">
           <a:avLst>
@@ -3857,8 +3861,8 @@
       </dsp:nvSpPr>
       <dsp:spPr>
         <a:xfrm>
-          <a:off x="2639276" y="238859"/>
-          <a:ext cx="4114585" cy="964897"/>
+          <a:off x="2599352" y="226354"/>
+          <a:ext cx="3855199" cy="904070"/>
         </a:xfrm>
         <a:prstGeom prst="roundRect">
           <a:avLst>
@@ -3901,12 +3905,12 @@
         <a:fontRef idx="minor"/>
       </dsp:style>
       <dsp:txBody>
-        <a:bodyPr spcFirstLastPara="0" vert="horz" wrap="square" lIns="83820" tIns="83820" rIns="83820" bIns="83820" numCol="1" spcCol="1270" anchor="ctr" anchorCtr="0">
+        <a:bodyPr spcFirstLastPara="0" vert="horz" wrap="square" lIns="76200" tIns="76200" rIns="76200" bIns="76200" numCol="1" spcCol="1270" anchor="ctr" anchorCtr="0">
           <a:noAutofit/>
         </a:bodyPr>
         <a:lstStyle/>
         <a:p>
-          <a:pPr lvl="0" algn="ctr" defTabSz="977900">
+          <a:pPr lvl="0" algn="ctr" defTabSz="889000">
             <a:lnSpc>
               <a:spcPct val="90000"/>
             </a:lnSpc>
@@ -3918,15 +3922,15 @@
             </a:spcAft>
           </a:pPr>
           <a:r>
-            <a:rPr lang="en-AU" sz="2200" b="1" kern="1200" dirty="0" smtClean="0"/>
+            <a:rPr lang="en-AU" sz="2000" b="1" kern="1200" dirty="0" smtClean="0"/>
             <a:t>HLO-5 Communications</a:t>
           </a:r>
-          <a:endParaRPr lang="en-AU" sz="2200" b="1" kern="1200" dirty="0"/>
+          <a:endParaRPr lang="en-AU" sz="2000" b="1" kern="1200" dirty="0"/>
         </a:p>
       </dsp:txBody>
       <dsp:txXfrm>
-        <a:off x="2639276" y="238859"/>
-        <a:ext cx="4114585" cy="964897"/>
+        <a:off x="2599352" y="226354"/>
+        <a:ext cx="3855199" cy="904070"/>
       </dsp:txXfrm>
     </dsp:sp>
     <dsp:sp modelId="{0B52177F-1D4B-4A19-8405-1161C755AD0A}">
@@ -3936,8 +3940,8 @@
       </dsp:nvSpPr>
       <dsp:spPr>
         <a:xfrm>
-          <a:off x="3326308" y="1619195"/>
-          <a:ext cx="2242244" cy="1423825"/>
+          <a:off x="3243073" y="1519673"/>
+          <a:ext cx="2100891" cy="1334066"/>
         </a:xfrm>
         <a:prstGeom prst="roundRect">
           <a:avLst>
@@ -3992,8 +3996,8 @@
       </dsp:nvSpPr>
       <dsp:spPr>
         <a:xfrm>
-          <a:off x="3575446" y="1855877"/>
-          <a:ext cx="2242244" cy="1423825"/>
+          <a:off x="3476506" y="1741434"/>
+          <a:ext cx="2100891" cy="1334066"/>
         </a:xfrm>
         <a:prstGeom prst="roundRect">
           <a:avLst>
@@ -4036,12 +4040,12 @@
         <a:fontRef idx="minor"/>
       </dsp:style>
       <dsp:txBody>
-        <a:bodyPr spcFirstLastPara="0" vert="horz" wrap="square" lIns="83820" tIns="83820" rIns="83820" bIns="83820" numCol="1" spcCol="1270" anchor="ctr" anchorCtr="0">
+        <a:bodyPr spcFirstLastPara="0" vert="horz" wrap="square" lIns="76200" tIns="76200" rIns="76200" bIns="76200" numCol="1" spcCol="1270" anchor="ctr" anchorCtr="0">
           <a:noAutofit/>
         </a:bodyPr>
         <a:lstStyle/>
         <a:p>
-          <a:pPr lvl="0" algn="ctr" defTabSz="977900">
+          <a:pPr lvl="0" algn="ctr" defTabSz="889000">
             <a:lnSpc>
               <a:spcPct val="90000"/>
             </a:lnSpc>
@@ -4053,26 +4057,26 @@
             </a:spcAft>
           </a:pPr>
           <a:r>
-            <a:rPr lang="en-AU" sz="2200" b="1" kern="1200" dirty="0" smtClean="0"/>
+            <a:rPr lang="en-AU" sz="2000" b="1" kern="1200" dirty="0" smtClean="0"/>
             <a:t>SR-B-08 and 09</a:t>
           </a:r>
           <a:r>
-            <a:rPr lang="en-AU" sz="2200" kern="1200" dirty="0" smtClean="0"/>
+            <a:rPr lang="en-AU" sz="2000" kern="1200" dirty="0" smtClean="0"/>
             <a:t/>
           </a:r>
           <a:br>
-            <a:rPr lang="en-AU" sz="2200" kern="1200" dirty="0" smtClean="0"/>
+            <a:rPr lang="en-AU" sz="2000" kern="1200" dirty="0" smtClean="0"/>
           </a:br>
           <a:r>
-            <a:rPr lang="en-AU" sz="2200" kern="1200" dirty="0" smtClean="0"/>
+            <a:rPr lang="en-AU" sz="2000" kern="1200" dirty="0" smtClean="0"/>
             <a:t>Transmit and Receive Telemetry via WLAN</a:t>
           </a:r>
-          <a:endParaRPr lang="en-AU" sz="2200" kern="1200" dirty="0"/>
+          <a:endParaRPr lang="en-AU" sz="2000" kern="1200" dirty="0"/>
         </a:p>
       </dsp:txBody>
       <dsp:txXfrm>
-        <a:off x="3575446" y="1855877"/>
-        <a:ext cx="2242244" cy="1423825"/>
+        <a:off x="3476506" y="1741434"/>
+        <a:ext cx="2100891" cy="1334066"/>
       </dsp:txXfrm>
     </dsp:sp>
     <dsp:sp modelId="{6CF7E842-D99E-438B-8582-4E11BA51C9A5}">
@@ -4082,8 +4086,8 @@
       </dsp:nvSpPr>
       <dsp:spPr>
         <a:xfrm>
-          <a:off x="3326308" y="3695140"/>
-          <a:ext cx="2242244" cy="1423825"/>
+          <a:off x="3243073" y="3464748"/>
+          <a:ext cx="2100891" cy="1334066"/>
         </a:xfrm>
         <a:prstGeom prst="roundRect">
           <a:avLst>
@@ -4138,8 +4142,8 @@
       </dsp:nvSpPr>
       <dsp:spPr>
         <a:xfrm>
-          <a:off x="3575446" y="3931822"/>
-          <a:ext cx="2242244" cy="1423825"/>
+          <a:off x="3476506" y="3686509"/>
+          <a:ext cx="2100891" cy="1334066"/>
         </a:xfrm>
         <a:prstGeom prst="roundRect">
           <a:avLst>
@@ -4182,12 +4186,12 @@
         <a:fontRef idx="minor"/>
       </dsp:style>
       <dsp:txBody>
-        <a:bodyPr spcFirstLastPara="0" vert="horz" wrap="square" lIns="83820" tIns="83820" rIns="83820" bIns="83820" numCol="1" spcCol="1270" anchor="ctr" anchorCtr="0">
+        <a:bodyPr spcFirstLastPara="0" vert="horz" wrap="square" lIns="76200" tIns="76200" rIns="76200" bIns="76200" numCol="1" spcCol="1270" anchor="ctr" anchorCtr="0">
           <a:noAutofit/>
         </a:bodyPr>
         <a:lstStyle/>
         <a:p>
-          <a:pPr lvl="0" algn="ctr" defTabSz="977900">
+          <a:pPr lvl="0" algn="ctr" defTabSz="889000">
             <a:lnSpc>
               <a:spcPct val="90000"/>
             </a:lnSpc>
@@ -4199,19 +4203,27 @@
             </a:spcAft>
           </a:pPr>
           <a:r>
-            <a:rPr lang="en-AU" sz="2200" kern="1200" dirty="0" err="1" smtClean="0"/>
+            <a:rPr lang="en-AU" sz="2000" kern="1200" dirty="0" err="1" smtClean="0"/>
             <a:t>WiFi</a:t>
           </a:r>
           <a:r>
-            <a:rPr lang="en-AU" sz="2200" kern="1200" dirty="0" smtClean="0"/>
-            <a:t> Communication and Architecture</a:t>
+            <a:rPr lang="en-AU" sz="2000" kern="1200" dirty="0" smtClean="0"/>
+            <a:t> </a:t>
           </a:r>
-          <a:endParaRPr lang="en-AU" sz="2200" kern="1200" dirty="0"/>
+          <a:r>
+            <a:rPr lang="en-AU" sz="2000" kern="1200" smtClean="0"/>
+            <a:t>Communication Design </a:t>
+          </a:r>
+          <a:r>
+            <a:rPr lang="en-AU" sz="2000" kern="1200" dirty="0" smtClean="0"/>
+            <a:t>and Architecture</a:t>
+          </a:r>
+          <a:endParaRPr lang="en-AU" sz="2000" kern="1200" dirty="0"/>
         </a:p>
       </dsp:txBody>
       <dsp:txXfrm>
-        <a:off x="3575446" y="3931822"/>
-        <a:ext cx="2242244" cy="1423825"/>
+        <a:off x="3476506" y="3686509"/>
+        <a:ext cx="2100891" cy="1334066"/>
       </dsp:txXfrm>
     </dsp:sp>
   </dsp:spTree>
@@ -5145,11 +5157,7 @@
           </a:pPr>
           <a:r>
             <a:rPr lang="en-AU" sz="1900" kern="1200" dirty="0" smtClean="0"/>
-            <a:t>Attitude Estimator and Kalman </a:t>
-          </a:r>
-          <a:r>
-            <a:rPr lang="en-AU" sz="1900" kern="1200" dirty="0" smtClean="0"/>
-            <a:t>Filtering</a:t>
+            <a:t>Attitude Estimator and Kalman Filtering</a:t>
           </a:r>
           <a:endParaRPr lang="en-AU" sz="1900" kern="1200" dirty="0"/>
         </a:p>
@@ -10653,7 +10661,7 @@
             <a:fld id="{9A6A2903-C65C-4228-857A-941E317BDD5D}" type="datetimeFigureOut">
               <a:rPr lang="en-US" smtClean="0"/>
               <a:pPr/>
-              <a:t>6/21/2010</a:t>
+              <a:t>6/22/2010</a:t>
             </a:fld>
             <a:endParaRPr lang="en-AU"/>
           </a:p>
@@ -11233,7 +11241,7 @@
             <a:fld id="{564FCFA0-726F-477B-BEA1-4EBA104729ED}" type="slidenum">
               <a:rPr lang="en-AU" smtClean="0"/>
               <a:pPr/>
-              <a:t>19</a:t>
+              <a:t>18</a:t>
             </a:fld>
             <a:endParaRPr lang="en-AU"/>
           </a:p>
@@ -11248,6 +11256,88 @@
 </file>
 
 <file path=ppt/notesSlides/notesSlide5.xml><?xml version="1.0" encoding="utf-8"?>
+<p:notes xmlns:a="http://schemas.openxmlformats.org/drawingml/2006/main" xmlns:r="http://schemas.openxmlformats.org/officeDocument/2006/relationships" xmlns:p="http://schemas.openxmlformats.org/presentationml/2006/main">
+  <p:cSld>
+    <p:spTree>
+      <p:nvGrpSpPr>
+        <p:cNvPr id="1" name=""/>
+        <p:cNvGrpSpPr/>
+        <p:nvPr/>
+      </p:nvGrpSpPr>
+      <p:grpSpPr>
+        <a:xfrm>
+          <a:off x="0" y="0"/>
+          <a:ext cx="0" cy="0"/>
+          <a:chOff x="0" y="0"/>
+          <a:chExt cx="0" cy="0"/>
+        </a:xfrm>
+      </p:grpSpPr>
+      <p:sp>
+        <p:nvSpPr>
+          <p:cNvPr id="2" name="Slide Image Placeholder 1"/>
+          <p:cNvSpPr>
+            <a:spLocks noGrp="1" noRot="1" noChangeAspect="1"/>
+          </p:cNvSpPr>
+          <p:nvPr>
+            <p:ph type="sldImg"/>
+          </p:nvPr>
+        </p:nvSpPr>
+        <p:spPr/>
+      </p:sp>
+      <p:sp>
+        <p:nvSpPr>
+          <p:cNvPr id="3" name="Notes Placeholder 2"/>
+          <p:cNvSpPr>
+            <a:spLocks noGrp="1"/>
+          </p:cNvSpPr>
+          <p:nvPr>
+            <p:ph type="body" idx="1"/>
+          </p:nvPr>
+        </p:nvSpPr>
+        <p:spPr/>
+        <p:txBody>
+          <a:bodyPr>
+            <a:normAutofit/>
+          </a:bodyPr>
+          <a:lstStyle/>
+          <a:p>
+            <a:endParaRPr lang="en-AU" dirty="0"/>
+          </a:p>
+        </p:txBody>
+      </p:sp>
+      <p:sp>
+        <p:nvSpPr>
+          <p:cNvPr id="4" name="Slide Number Placeholder 3"/>
+          <p:cNvSpPr>
+            <a:spLocks noGrp="1"/>
+          </p:cNvSpPr>
+          <p:nvPr>
+            <p:ph type="sldNum" sz="quarter" idx="10"/>
+          </p:nvPr>
+        </p:nvSpPr>
+        <p:spPr/>
+        <p:txBody>
+          <a:bodyPr/>
+          <a:lstStyle/>
+          <a:p>
+            <a:fld id="{564FCFA0-726F-477B-BEA1-4EBA104729ED}" type="slidenum">
+              <a:rPr lang="en-AU" smtClean="0"/>
+              <a:pPr/>
+              <a:t>19</a:t>
+            </a:fld>
+            <a:endParaRPr lang="en-AU"/>
+          </a:p>
+        </p:txBody>
+      </p:sp>
+    </p:spTree>
+  </p:cSld>
+  <p:clrMapOvr>
+    <a:masterClrMapping/>
+  </p:clrMapOvr>
+</p:notes>
+</file>
+
+<file path=ppt/notesSlides/notesSlide6.xml><?xml version="1.0" encoding="utf-8"?>
 <p:notes xmlns:a="http://schemas.openxmlformats.org/drawingml/2006/main" xmlns:r="http://schemas.openxmlformats.org/officeDocument/2006/relationships" xmlns:p="http://schemas.openxmlformats.org/presentationml/2006/main">
   <p:cSld>
     <p:spTree>
@@ -11624,7 +11714,7 @@
             <a:fld id="{7919CA88-F400-4F96-AAC9-5A36471D2F8F}" type="datetime1">
               <a:rPr lang="en-US" smtClean="0"/>
               <a:pPr/>
-              <a:t>6/21/2010</a:t>
+              <a:t>6/22/2010</a:t>
             </a:fld>
             <a:endParaRPr lang="en-AU"/>
           </a:p>
@@ -11817,7 +11907,7 @@
             <a:fld id="{2207902A-905F-4BD2-ABD0-6790D765BD7D}" type="datetime1">
               <a:rPr lang="en-US" smtClean="0"/>
               <a:pPr/>
-              <a:t>6/21/2010</a:t>
+              <a:t>6/22/2010</a:t>
             </a:fld>
             <a:endParaRPr lang="en-AU"/>
           </a:p>
@@ -12004,7 +12094,7 @@
             <a:fld id="{68CB0762-0231-43FA-A01A-E827C5FB3934}" type="datetime1">
               <a:rPr lang="en-US" smtClean="0"/>
               <a:pPr/>
-              <a:t>6/21/2010</a:t>
+              <a:t>6/22/2010</a:t>
             </a:fld>
             <a:endParaRPr lang="en-AU"/>
           </a:p>
@@ -12269,7 +12359,7 @@
             <a:fld id="{594CA299-69E0-4B5F-BFFE-33BD425F2323}" type="datetime1">
               <a:rPr lang="en-US" smtClean="0"/>
               <a:pPr/>
-              <a:t>6/21/2010</a:t>
+              <a:t>6/22/2010</a:t>
             </a:fld>
             <a:endParaRPr lang="en-AU"/>
           </a:p>
@@ -12687,7 +12777,7 @@
             <a:fld id="{5FDECECB-0ABB-48A5-A803-F4718B8D91D4}" type="datetime1">
               <a:rPr lang="en-US" smtClean="0"/>
               <a:pPr/>
-              <a:t>6/21/2010</a:t>
+              <a:t>6/22/2010</a:t>
             </a:fld>
             <a:endParaRPr lang="en-AU"/>
           </a:p>
@@ -12931,7 +13021,7 @@
             <a:fld id="{0CD0D081-CFFD-4432-A533-29AE4BE48E57}" type="datetime1">
               <a:rPr lang="en-US" smtClean="0"/>
               <a:pPr/>
-              <a:t>6/21/2010</a:t>
+              <a:t>6/22/2010</a:t>
             </a:fld>
             <a:endParaRPr lang="en-AU"/>
           </a:p>
@@ -13169,7 +13259,7 @@
             <a:fld id="{7B7440B4-A06A-40E0-B7EF-6670831A308E}" type="datetime1">
               <a:rPr lang="en-US" smtClean="0"/>
               <a:pPr/>
-              <a:t>6/21/2010</a:t>
+              <a:t>6/22/2010</a:t>
             </a:fld>
             <a:endParaRPr lang="en-AU"/>
           </a:p>
@@ -13366,7 +13456,7 @@
             <a:fld id="{9832126A-3231-47DF-B16E-4C6489635FEB}" type="datetime1">
               <a:rPr lang="en-US" smtClean="0"/>
               <a:pPr/>
-              <a:t>6/21/2010</a:t>
+              <a:t>6/22/2010</a:t>
             </a:fld>
             <a:endParaRPr lang="en-AU"/>
           </a:p>
@@ -13466,7 +13556,7 @@
             <a:fld id="{60AA0776-8768-4D9F-B358-B6616329A00C}" type="datetime1">
               <a:rPr lang="en-US" smtClean="0"/>
               <a:pPr/>
-              <a:t>6/21/2010</a:t>
+              <a:t>6/22/2010</a:t>
             </a:fld>
             <a:endParaRPr lang="en-AU"/>
           </a:p>
@@ -13604,7 +13694,7 @@
             <a:fld id="{50E14E35-EF70-459E-895B-1A299CF0D7FB}" type="datetime1">
               <a:rPr lang="en-US" smtClean="0"/>
               <a:pPr/>
-              <a:t>6/21/2010</a:t>
+              <a:t>6/22/2010</a:t>
             </a:fld>
             <a:endParaRPr lang="en-AU"/>
           </a:p>
@@ -14124,7 +14214,7 @@
             <a:fld id="{DB528153-DE87-43B6-9990-0274F15398EF}" type="datetime1">
               <a:rPr lang="en-US" smtClean="0"/>
               <a:pPr/>
-              <a:t>6/21/2010</a:t>
+              <a:t>6/22/2010</a:t>
             </a:fld>
             <a:endParaRPr lang="en-AU"/>
           </a:p>
@@ -14387,7 +14477,7 @@
             <a:fld id="{48FA1E52-FDA1-4508-A8D9-1BBAF0D75B3D}" type="datetime1">
               <a:rPr lang="en-US" smtClean="0"/>
               <a:pPr/>
-              <a:t>6/21/2010</a:t>
+              <a:t>6/22/2010</a:t>
             </a:fld>
             <a:endParaRPr lang="en-AU"/>
           </a:p>
@@ -17651,7 +17741,7 @@
             <a:pPr lvl="1"/>
             <a:r>
               <a:rPr lang="en-AU" dirty="0" smtClean="0"/>
-              <a:t>Displacement</a:t>
+              <a:t>Displacements</a:t>
             </a:r>
           </a:p>
           <a:p>
@@ -17677,7 +17767,11 @@
           <a:p>
             <a:r>
               <a:rPr lang="en-AU" dirty="0" smtClean="0"/>
-              <a:t>Inherited from AHNS09</a:t>
+              <a:t>Inherited from </a:t>
+            </a:r>
+            <a:r>
+              <a:rPr lang="en-AU" dirty="0" smtClean="0"/>
+              <a:t>AHNS 2009</a:t>
             </a:r>
             <a:endParaRPr lang="en-AU" dirty="0" smtClean="0"/>
           </a:p>
@@ -17813,7 +17907,7 @@
           <p:nvPr/>
         </p:nvGraphicFramePr>
         <p:xfrm>
-          <a:off x="2987824" y="4969768"/>
+          <a:off x="3059832" y="4969768"/>
           <a:ext cx="1008112" cy="432048"/>
         </p:xfrm>
         <a:graphic>
@@ -17965,7 +18059,12 @@
               <a:rPr lang="en-AU" dirty="0" smtClean="0"/>
               <a:t>200Hz update rate</a:t>
             </a:r>
-            <a:endParaRPr lang="en-AU" dirty="0" smtClean="0"/>
+          </a:p>
+          <a:p>
+            <a:r>
+              <a:rPr lang="en-AU" dirty="0" smtClean="0"/>
+              <a:t>Ethernet connection (via GCS)</a:t>
+            </a:r>
           </a:p>
           <a:p>
             <a:r>
@@ -17982,16 +18081,8 @@
           <a:p>
             <a:r>
               <a:rPr lang="en-AU" dirty="0" smtClean="0"/>
-              <a:t>Ethernet connection (via GCS)</a:t>
-            </a:r>
-            <a:endParaRPr lang="en-AU" dirty="0" smtClean="0"/>
-          </a:p>
-          <a:p>
-            <a:r>
-              <a:rPr lang="en-AU" dirty="0" smtClean="0"/>
               <a:t>Located at the ARCAA building</a:t>
             </a:r>
-            <a:endParaRPr lang="en-AU" dirty="0" smtClean="0"/>
           </a:p>
           <a:p>
             <a:pPr lvl="2"/>
@@ -18159,7 +18250,6 @@
               <a:rPr lang="en-AU" dirty="0" smtClean="0"/>
               <a:t>Measures vertical displacement </a:t>
             </a:r>
-            <a:endParaRPr lang="en-AU" dirty="0" smtClean="0"/>
           </a:p>
           <a:p>
             <a:r>
@@ -18334,15 +18424,7 @@
                   <a:reflection blurRad="6350" stA="60000" endA="900" endPos="58000" dir="5400000" sy="-100000" algn="bl" rotWithShape="0"/>
                 </a:effectLst>
               </a:rPr>
-              <a:t>Surveyor SRV-1Blackfin </a:t>
-            </a:r>
-            <a:r>
-              <a:rPr lang="en-AU" dirty="0" smtClean="0">
-                <a:effectLst>
-                  <a:reflection blurRad="6350" stA="60000" endA="900" endPos="58000" dir="5400000" sy="-100000" algn="bl" rotWithShape="0"/>
-                </a:effectLst>
-              </a:rPr>
-              <a:t>Camera</a:t>
+              <a:t>Surveyor SRV-1Blackfin Camera</a:t>
             </a:r>
             <a:endParaRPr lang="en-AU" dirty="0">
               <a:effectLst>
@@ -18729,15 +18811,7 @@
                   <a:reflection blurRad="6350" stA="60000" endA="900" endPos="58000" dir="5400000" sy="-100000" algn="bl" rotWithShape="0"/>
                 </a:effectLst>
               </a:rPr>
-              <a:t>Kalman </a:t>
-            </a:r>
-            <a:r>
-              <a:rPr lang="en-AU" dirty="0" smtClean="0">
-                <a:effectLst>
-                  <a:reflection blurRad="6350" stA="60000" endA="900" endPos="58000" dir="5400000" sy="-100000" algn="bl" rotWithShape="0"/>
-                </a:effectLst>
-              </a:rPr>
-              <a:t>Filter and Sensor Fusion</a:t>
+              <a:t>Kalman Filter and Sensor Fusion</a:t>
             </a:r>
             <a:endParaRPr lang="en-AU" dirty="0">
               <a:effectLst>
@@ -18807,12 +18881,13 @@
           <a:p>
             <a:r>
               <a:rPr lang="en-AU" dirty="0" smtClean="0"/>
-              <a:t>Will be based </a:t>
+              <a:t>Will be based on the attitude estimator from </a:t>
             </a:r>
             <a:r>
               <a:rPr lang="en-AU" dirty="0" smtClean="0"/>
-              <a:t>on the attitude estimator from AHNS2009</a:t>
-            </a:r>
+              <a:t>AHNS 2009</a:t>
+            </a:r>
+            <a:endParaRPr lang="en-AU" dirty="0" smtClean="0"/>
           </a:p>
           <a:p>
             <a:r>
@@ -18979,7 +19054,7 @@
         <p:spPr>
           <a:xfrm>
             <a:off x="611560" y="1628800"/>
-            <a:ext cx="8153400" cy="4495800"/>
+            <a:ext cx="8532440" cy="4495800"/>
           </a:xfrm>
         </p:spPr>
         <p:txBody>
@@ -19001,7 +19076,15 @@
             <a:pPr lvl="1"/>
             <a:r>
               <a:rPr lang="en-AU" dirty="0" smtClean="0"/>
-              <a:t>IMU</a:t>
+              <a:t>IMU (sensor data access through </a:t>
+            </a:r>
+            <a:r>
+              <a:rPr lang="en-AU" dirty="0" err="1" smtClean="0"/>
+              <a:t>Overo</a:t>
+            </a:r>
+            <a:r>
+              <a:rPr lang="en-AU" dirty="0" smtClean="0"/>
+              <a:t> Fire)</a:t>
             </a:r>
           </a:p>
           <a:p>
@@ -19012,9 +19095,8 @@
             </a:r>
             <a:r>
               <a:rPr lang="en-AU" dirty="0" smtClean="0"/>
-              <a:t> Camera</a:t>
-            </a:r>
-            <a:endParaRPr lang="en-AU" dirty="0" smtClean="0"/>
+              <a:t> Camera (image feed and command GCS widget)</a:t>
+            </a:r>
           </a:p>
           <a:p>
             <a:r>
@@ -19046,7 +19128,6 @@
               <a:rPr lang="en-AU" dirty="0" smtClean="0"/>
               <a:t>Attitude estimator implementation</a:t>
             </a:r>
-            <a:endParaRPr lang="en-AU" dirty="0" smtClean="0"/>
           </a:p>
           <a:p>
             <a:pPr>
@@ -19874,11 +19955,7 @@
             </a:r>
             <a:r>
               <a:rPr lang="en-AU" dirty="0" smtClean="0"/>
-              <a:t> Camera mounted underneath</a:t>
-            </a:r>
-            <a:r>
-              <a:rPr lang="en-AU" dirty="0" smtClean="0"/>
-              <a:t> platform</a:t>
+              <a:t> Camera mounted underneath platform</a:t>
             </a:r>
           </a:p>
           <a:p>
@@ -19916,7 +19993,6 @@
               <a:rPr lang="en-AU" dirty="0" smtClean="0"/>
               <a:t> displacement)</a:t>
             </a:r>
-            <a:endParaRPr lang="en-AU" dirty="0" smtClean="0"/>
           </a:p>
           <a:p>
             <a:pPr>
@@ -20248,9 +20324,8 @@
           <a:p>
             <a:r>
               <a:rPr lang="en-AU" dirty="0" smtClean="0"/>
-              <a:t>Re-evaluation of subsystem may need to occur if project progress stalls</a:t>
-            </a:r>
-            <a:endParaRPr lang="en-AU" dirty="0" smtClean="0"/>
+              <a:t>Re-evaluation of subsystem may need to occur if progress stalls on other subsystems</a:t>
+            </a:r>
           </a:p>
           <a:p>
             <a:pPr lvl="2"/>
@@ -20498,18 +20573,12 @@
         <p:spPr/>
         <p:txBody>
           <a:bodyPr>
-            <a:normAutofit lnSpcReduction="10000"/>
+            <a:normAutofit/>
           </a:bodyPr>
           <a:lstStyle/>
           <a:p>
             <a:r>
               <a:rPr lang="en-AU" dirty="0" smtClean="0"/>
-              <a:t>Control was off board (on the GCS)</a:t>
-            </a:r>
-          </a:p>
-          <a:p>
-            <a:r>
-              <a:rPr lang="en-AU" dirty="0" smtClean="0"/>
               <a:t>Used </a:t>
             </a:r>
             <a:r>
@@ -20518,27 +20587,13 @@
             </a:r>
             <a:r>
               <a:rPr lang="en-AU" dirty="0" smtClean="0"/>
-              <a:t> </a:t>
-            </a:r>
-            <a:r>
-              <a:rPr lang="en-AU" dirty="0" err="1" smtClean="0"/>
-              <a:t>ZigBee</a:t>
-            </a:r>
+              <a:t> RF 2.4 GHz modules for telemetry</a:t>
+            </a:r>
+          </a:p>
+          <a:p>
             <a:r>
               <a:rPr lang="en-AU" dirty="0" smtClean="0"/>
-              <a:t> RF modules for telemetry</a:t>
-            </a:r>
-          </a:p>
-          <a:p>
-            <a:r>
-              <a:rPr lang="en-AU" dirty="0" smtClean="0"/>
-              <a:t>Point to point communication</a:t>
-            </a:r>
-          </a:p>
-          <a:p>
-            <a:r>
-              <a:rPr lang="en-AU" dirty="0" smtClean="0"/>
-              <a:t>Successful communication link</a:t>
+              <a:t>Point to point communication (platform and GCS)</a:t>
             </a:r>
           </a:p>
           <a:p>
@@ -20558,7 +20613,7 @@
             <a:pPr lvl="1"/>
             <a:r>
               <a:rPr lang="en-AU" dirty="0" smtClean="0"/>
-              <a:t>Closed architecture</a:t>
+              <a:t>Closed architecture (hard to expand)</a:t>
             </a:r>
           </a:p>
           <a:p>
@@ -20690,8 +20745,8 @@
           </p:nvPr>
         </p:nvGraphicFramePr>
         <p:xfrm>
-          <a:off x="0" y="1500174"/>
-          <a:ext cx="9144000" cy="5357826"/>
+          <a:off x="144016" y="1644190"/>
+          <a:ext cx="8820472" cy="5025170"/>
         </p:xfrm>
         <a:graphic>
           <a:graphicData uri="http://schemas.openxmlformats.org/drawingml/2006/diagram">
@@ -21188,7 +21243,7 @@
                   <a:reflection blurRad="6350" stA="60000" endA="900" endPos="58000" dir="5400000" sy="-100000" algn="bl" rotWithShape="0"/>
                 </a:effectLst>
               </a:rPr>
-              <a:t> Communication Protocol</a:t>
+              <a:t> Communication Design</a:t>
             </a:r>
             <a:endParaRPr lang="en-AU" dirty="0">
               <a:effectLst>
@@ -21241,11 +21296,7 @@
           <a:p>
             <a:r>
               <a:rPr lang="en-AU" dirty="0" smtClean="0"/>
-              <a:t>Server to client </a:t>
-            </a:r>
-            <a:r>
-              <a:rPr lang="en-AU" dirty="0" smtClean="0"/>
-              <a:t>architecture</a:t>
+              <a:t>Server-client architecture</a:t>
             </a:r>
           </a:p>
           <a:p>
@@ -21253,36 +21304,18 @@
               <a:rPr lang="en-AU" dirty="0" smtClean="0"/>
               <a:t>Main server onboard (devices connect to it)</a:t>
             </a:r>
-            <a:endParaRPr lang="en-AU" dirty="0" smtClean="0"/>
           </a:p>
           <a:p>
             <a:r>
               <a:rPr lang="en-AU" dirty="0" smtClean="0"/>
-              <a:t>Multiple </a:t>
-            </a:r>
+              <a:t>Multiple device/client connections</a:t>
+            </a:r>
+          </a:p>
+          <a:p>
             <a:r>
               <a:rPr lang="en-AU" dirty="0" smtClean="0"/>
-              <a:t>device/client </a:t>
-            </a:r>
-            <a:r>
-              <a:rPr lang="en-AU" dirty="0" smtClean="0"/>
-              <a:t>connections</a:t>
-            </a:r>
-          </a:p>
-          <a:p>
-            <a:r>
-              <a:rPr lang="en-AU" dirty="0" smtClean="0"/>
-              <a:t>Standard </a:t>
-            </a:r>
-            <a:r>
-              <a:rPr lang="en-AU" dirty="0" smtClean="0"/>
-              <a:t>networking </a:t>
-            </a:r>
-            <a:r>
-              <a:rPr lang="en-AU" dirty="0" smtClean="0"/>
-              <a:t>protocol (UDP and TCP)</a:t>
-            </a:r>
-            <a:endParaRPr lang="en-AU" dirty="0" smtClean="0"/>
+              <a:t>Standard networking protocol (UDP and TCP)</a:t>
+            </a:r>
           </a:p>
           <a:p>
             <a:r>
@@ -21295,14 +21328,14 @@
             </a:r>
             <a:r>
               <a:rPr lang="en-AU" dirty="0" smtClean="0"/>
-              <a:t>’</a:t>
+              <a:t>’ software library</a:t>
             </a:r>
           </a:p>
           <a:p>
             <a:pPr lvl="1"/>
             <a:r>
               <a:rPr lang="en-AU" dirty="0" smtClean="0"/>
-              <a:t>Common network interface</a:t>
+              <a:t>Common network interface (headers)</a:t>
             </a:r>
           </a:p>
           <a:p>
@@ -21483,27 +21516,22 @@
             <a:pPr lvl="1"/>
             <a:r>
               <a:rPr lang="en-AU" dirty="0" smtClean="0"/>
-              <a:t>Uses Linksys WRT45GL</a:t>
+              <a:t>Devices communicate through the router</a:t>
             </a:r>
           </a:p>
           <a:p>
             <a:pPr lvl="1"/>
             <a:r>
               <a:rPr lang="en-AU" dirty="0" smtClean="0"/>
-              <a:t>Devices communicate through the router</a:t>
+              <a:t>Uses Linksys WRT54GL</a:t>
             </a:r>
           </a:p>
           <a:p>
             <a:pPr lvl="1"/>
             <a:r>
               <a:rPr lang="en-AU" dirty="0" smtClean="0"/>
-              <a:t>Internet </a:t>
-            </a:r>
-            <a:r>
-              <a:rPr lang="en-AU" dirty="0" smtClean="0"/>
-              <a:t>gateway</a:t>
-            </a:r>
-            <a:endParaRPr lang="en-AU" dirty="0" smtClean="0"/>
+              <a:t>Internet gateway</a:t>
+            </a:r>
           </a:p>
           <a:p>
             <a:pPr lvl="2"/>
@@ -21524,6 +21552,30 @@
           </a:p>
         </p:txBody>
       </p:sp>
+      <p:pic>
+        <p:nvPicPr>
+          <p:cNvPr id="5" name="Picture 4" descr="LinksysWRT54G.png"/>
+          <p:cNvPicPr>
+            <a:picLocks noChangeAspect="1"/>
+          </p:cNvPicPr>
+          <p:nvPr/>
+        </p:nvPicPr>
+        <p:blipFill>
+          <a:blip r:embed="rId2" cstate="print"/>
+          <a:stretch>
+            <a:fillRect/>
+          </a:stretch>
+        </p:blipFill>
+        <p:spPr>
+          <a:xfrm>
+            <a:off x="6444208" y="4340283"/>
+            <a:ext cx="2631326" cy="2401085"/>
+          </a:xfrm>
+          <a:prstGeom prst="rect">
+            <a:avLst/>
+          </a:prstGeom>
+        </p:spPr>
+      </p:pic>
     </p:spTree>
   </p:cSld>
   <p:clrMapOvr>
@@ -21780,18 +21832,43 @@
             </a:r>
             <a:r>
               <a:rPr lang="en-AU" dirty="0" smtClean="0"/>
-              <a:t> architecture implemented</a:t>
+              <a:t> design and architecture implemented</a:t>
             </a:r>
           </a:p>
           <a:p>
             <a:r>
               <a:rPr lang="en-AU" dirty="0" smtClean="0"/>
-              <a:t>Stable and reliable connection between platform server and clients</a:t>
-            </a:r>
-            <a:endParaRPr lang="en-AU" dirty="0" smtClean="0"/>
-          </a:p>
-          <a:p>
-            <a:endParaRPr lang="en-AU" dirty="0" smtClean="0"/>
+              <a:t>Stable and reliable UDP and TCP connections between server and clients</a:t>
+            </a:r>
+          </a:p>
+          <a:p>
+            <a:pPr lvl="1"/>
+            <a:r>
+              <a:rPr lang="en-AU" dirty="0" smtClean="0"/>
+              <a:t>Multiple SSH connections between platform and clients</a:t>
+            </a:r>
+          </a:p>
+          <a:p>
+            <a:pPr lvl="1"/>
+            <a:r>
+              <a:rPr lang="en-AU" dirty="0" smtClean="0"/>
+              <a:t>Successful connection between UDP server onboard with multiple GCS clients</a:t>
+            </a:r>
+          </a:p>
+          <a:p>
+            <a:pPr lvl="1"/>
+            <a:r>
+              <a:rPr lang="en-AU" dirty="0" smtClean="0"/>
+              <a:t>Successful connection between TCP </a:t>
+            </a:r>
+            <a:r>
+              <a:rPr lang="en-AU" dirty="0" err="1" smtClean="0"/>
+              <a:t>Blackfin</a:t>
+            </a:r>
+            <a:r>
+              <a:rPr lang="en-AU" dirty="0" smtClean="0"/>
+              <a:t> Camera image feed and GCS client</a:t>
+            </a:r>
           </a:p>
           <a:p>
             <a:pPr>
